--- a/Presentation Slides/Monday May 15 Presentation Slides.pptx
+++ b/Presentation Slides/Monday May 15 Presentation Slides.pptx
@@ -877,7 +877,7 @@
             <a:fld id="{B61BEF0D-F0BB-DE4B-95CE-6DB70DBA9567}" type="datetimeFigureOut">
               <a:rPr lang="en-US" dirty="0"/>
               <a:pPr/>
-              <a:t>5/12/2017</a:t>
+              <a:t>5/15/2017</a:t>
             </a:fld>
             <a:endParaRPr lang="en-US" dirty="0"/>
           </a:p>
@@ -1125,7 +1125,7 @@
             <a:fld id="{B61BEF0D-F0BB-DE4B-95CE-6DB70DBA9567}" type="datetimeFigureOut">
               <a:rPr lang="en-US" dirty="0"/>
               <a:pPr/>
-              <a:t>5/12/2017</a:t>
+              <a:t>5/15/2017</a:t>
             </a:fld>
             <a:endParaRPr lang="en-US" dirty="0"/>
           </a:p>
@@ -1436,7 +1436,7 @@
             <a:fld id="{B61BEF0D-F0BB-DE4B-95CE-6DB70DBA9567}" type="datetimeFigureOut">
               <a:rPr lang="en-US" dirty="0"/>
               <a:pPr/>
-              <a:t>5/12/2017</a:t>
+              <a:t>5/15/2017</a:t>
             </a:fld>
             <a:endParaRPr lang="en-US" dirty="0"/>
           </a:p>
@@ -1774,7 +1774,7 @@
             <a:fld id="{B61BEF0D-F0BB-DE4B-95CE-6DB70DBA9567}" type="datetimeFigureOut">
               <a:rPr lang="en-US" dirty="0"/>
               <a:pPr/>
-              <a:t>5/12/2017</a:t>
+              <a:t>5/15/2017</a:t>
             </a:fld>
             <a:endParaRPr lang="en-US" dirty="0"/>
           </a:p>
@@ -2085,7 +2085,7 @@
             <a:fld id="{B61BEF0D-F0BB-DE4B-95CE-6DB70DBA9567}" type="datetimeFigureOut">
               <a:rPr lang="en-US" dirty="0"/>
               <a:pPr/>
-              <a:t>5/12/2017</a:t>
+              <a:t>5/15/2017</a:t>
             </a:fld>
             <a:endParaRPr lang="en-US" dirty="0"/>
           </a:p>
@@ -2475,7 +2475,7 @@
             <a:fld id="{B61BEF0D-F0BB-DE4B-95CE-6DB70DBA9567}" type="datetimeFigureOut">
               <a:rPr lang="en-US" dirty="0"/>
               <a:pPr/>
-              <a:t>5/12/2017</a:t>
+              <a:t>5/15/2017</a:t>
             </a:fld>
             <a:endParaRPr lang="en-US" dirty="0"/>
           </a:p>
@@ -2641,7 +2641,7 @@
           <a:p>
             <a:fld id="{55C6B4A9-1611-4792-9094-5F34BCA07E0B}" type="datetimeFigureOut">
               <a:rPr lang="en-US" dirty="0"/>
-              <a:t>5/12/2017</a:t>
+              <a:t>5/15/2017</a:t>
             </a:fld>
             <a:endParaRPr lang="en-US" dirty="0"/>
           </a:p>
@@ -2817,7 +2817,7 @@
             <a:fld id="{B61BEF0D-F0BB-DE4B-95CE-6DB70DBA9567}" type="datetimeFigureOut">
               <a:rPr lang="en-US" dirty="0"/>
               <a:pPr/>
-              <a:t>5/12/2017</a:t>
+              <a:t>5/15/2017</a:t>
             </a:fld>
             <a:endParaRPr lang="en-US" dirty="0"/>
           </a:p>
@@ -2990,7 +2990,7 @@
             <a:fld id="{B61BEF0D-F0BB-DE4B-95CE-6DB70DBA9567}" type="datetimeFigureOut">
               <a:rPr lang="en-US" dirty="0"/>
               <a:pPr/>
-              <a:t>5/12/2017</a:t>
+              <a:t>5/15/2017</a:t>
             </a:fld>
             <a:endParaRPr lang="en-US" dirty="0"/>
           </a:p>
@@ -3234,7 +3234,7 @@
             <a:fld id="{B61BEF0D-F0BB-DE4B-95CE-6DB70DBA9567}" type="datetimeFigureOut">
               <a:rPr lang="en-US" dirty="0"/>
               <a:pPr/>
-              <a:t>5/12/2017</a:t>
+              <a:t>5/15/2017</a:t>
             </a:fld>
             <a:endParaRPr lang="en-US" dirty="0"/>
           </a:p>
@@ -3462,7 +3462,7 @@
           <a:p>
             <a:fld id="{EB712588-04B1-427B-82EE-E8DB90309F08}" type="datetimeFigureOut">
               <a:rPr lang="en-US" dirty="0"/>
-              <a:t>5/12/2017</a:t>
+              <a:t>5/15/2017</a:t>
             </a:fld>
             <a:endParaRPr lang="en-US" dirty="0"/>
           </a:p>
@@ -3832,7 +3832,7 @@
             <a:fld id="{B61BEF0D-F0BB-DE4B-95CE-6DB70DBA9567}" type="datetimeFigureOut">
               <a:rPr lang="en-US" dirty="0"/>
               <a:pPr/>
-              <a:t>5/12/2017</a:t>
+              <a:t>5/15/2017</a:t>
             </a:fld>
             <a:endParaRPr lang="en-US" dirty="0"/>
           </a:p>
@@ -3952,7 +3952,7 @@
             <a:fld id="{B61BEF0D-F0BB-DE4B-95CE-6DB70DBA9567}" type="datetimeFigureOut">
               <a:rPr lang="en-US" dirty="0"/>
               <a:pPr/>
-              <a:t>5/12/2017</a:t>
+              <a:t>5/15/2017</a:t>
             </a:fld>
             <a:endParaRPr lang="en-US" dirty="0"/>
           </a:p>
@@ -4044,7 +4044,7 @@
             <a:fld id="{B61BEF0D-F0BB-DE4B-95CE-6DB70DBA9567}" type="datetimeFigureOut">
               <a:rPr lang="en-US" dirty="0"/>
               <a:pPr/>
-              <a:t>5/12/2017</a:t>
+              <a:t>5/15/2017</a:t>
             </a:fld>
             <a:endParaRPr lang="en-US" dirty="0"/>
           </a:p>
@@ -4295,7 +4295,7 @@
           <a:p>
             <a:fld id="{42A54C80-263E-416B-A8E0-580EDEADCBDC}" type="datetimeFigureOut">
               <a:rPr lang="en-US" dirty="0"/>
-              <a:t>5/12/2017</a:t>
+              <a:t>5/15/2017</a:t>
             </a:fld>
             <a:endParaRPr lang="en-US" dirty="0"/>
           </a:p>
@@ -4554,7 +4554,7 @@
             <a:fld id="{B61BEF0D-F0BB-DE4B-95CE-6DB70DBA9567}" type="datetimeFigureOut">
               <a:rPr lang="en-US" dirty="0"/>
               <a:pPr/>
-              <a:t>5/12/2017</a:t>
+              <a:t>5/15/2017</a:t>
             </a:fld>
             <a:endParaRPr lang="en-US" dirty="0"/>
           </a:p>
@@ -5294,7 +5294,7 @@
             <a:fld id="{B61BEF0D-F0BB-DE4B-95CE-6DB70DBA9567}" type="datetimeFigureOut">
               <a:rPr lang="en-US" dirty="0"/>
               <a:pPr/>
-              <a:t>5/12/2017</a:t>
+              <a:t>5/15/2017</a:t>
             </a:fld>
             <a:endParaRPr lang="en-US" dirty="0"/>
           </a:p>
@@ -7232,8 +7232,8 @@
         </p:nvSpPr>
         <p:spPr>
           <a:xfrm>
-            <a:off x="1151115" y="3571685"/>
-            <a:ext cx="4242114" cy="1877550"/>
+            <a:off x="1151115" y="3571684"/>
+            <a:ext cx="4242114" cy="1919051"/>
           </a:xfrm>
         </p:spPr>
         <p:txBody>
@@ -8457,7 +8457,7 @@
           <a:p>
             <a:r>
               <a:rPr lang="en-US" dirty="0"/>
-              <a:t>Week #2 Challenge</a:t>
+              <a:t>Week #2 Easter Egg</a:t>
             </a:r>
           </a:p>
         </p:txBody>
@@ -8474,8 +8474,8 @@
         </p:nvSpPr>
         <p:spPr>
           <a:xfrm>
-            <a:off x="677334" y="2160589"/>
-            <a:ext cx="3067352" cy="3880773"/>
+            <a:off x="677333" y="2160589"/>
+            <a:ext cx="7813523" cy="3880773"/>
           </a:xfrm>
         </p:spPr>
         <p:txBody>
@@ -8488,36 +8488,12 @@
               <a:buNone/>
             </a:pPr>
             <a:r>
-              <a:rPr lang="en-US" sz="4400" dirty="0"/>
-              <a:t>Whatever the weekly challenge is goes here…</a:t>
-            </a:r>
-          </a:p>
-        </p:txBody>
-      </p:sp>
-      <p:pic>
-        <p:nvPicPr>
-          <p:cNvPr id="5" name="Picture 4"/>
-          <p:cNvPicPr>
-            <a:picLocks noChangeAspect="1"/>
-          </p:cNvPicPr>
-          <p:nvPr/>
-        </p:nvPicPr>
-        <p:blipFill>
-          <a:blip r:embed="rId2"/>
-          <a:stretch>
-            <a:fillRect/>
-          </a:stretch>
-        </p:blipFill>
-        <p:spPr>
-          <a:xfrm>
-            <a:off x="3918856" y="1286284"/>
-            <a:ext cx="5355145" cy="4526687"/>
-          </a:xfrm>
-          <a:prstGeom prst="rect">
-            <a:avLst/>
-          </a:prstGeom>
-        </p:spPr>
-      </p:pic>
+              <a:rPr lang="en-US" sz="3600" dirty="0"/>
+              <a:t>We’ll be making our Easter egg a secret, till Friday, but what we can say for now is that there will be a link hidden somewhere in the application to said Easter egg.</a:t>
+            </a:r>
+          </a:p>
+        </p:txBody>
+      </p:sp>
     </p:spTree>
     <p:extLst>
       <p:ext uri="{BB962C8B-B14F-4D97-AF65-F5344CB8AC3E}">
